--- a/doc/UI.pptx
+++ b/doc/UI.pptx
@@ -10,6 +10,8 @@
     <p:sldId id="258" r:id="rId4"/>
     <p:sldId id="259" r:id="rId5"/>
     <p:sldId id="260" r:id="rId6"/>
+    <p:sldId id="261" r:id="rId7"/>
+    <p:sldId id="262" r:id="rId8"/>
   </p:sldIdLst>
   <p:sldSz cx="12192000" cy="6858000"/>
   <p:notesSz cx="6858000" cy="9144000"/>
@@ -242,7 +244,7 @@
           <a:p>
             <a:fld id="{FB0F8C11-DDEC-402F-A93C-DC711F2411EA}" type="datetimeFigureOut">
               <a:rPr lang="zh-CN" altLang="en-US" smtClean="0"/>
-              <a:t>2020/3/20</a:t>
+              <a:t>2020/3/21</a:t>
             </a:fld>
             <a:endParaRPr lang="zh-CN" altLang="en-US"/>
           </a:p>
@@ -412,7 +414,7 @@
           <a:p>
             <a:fld id="{FB0F8C11-DDEC-402F-A93C-DC711F2411EA}" type="datetimeFigureOut">
               <a:rPr lang="zh-CN" altLang="en-US" smtClean="0"/>
-              <a:t>2020/3/20</a:t>
+              <a:t>2020/3/21</a:t>
             </a:fld>
             <a:endParaRPr lang="zh-CN" altLang="en-US"/>
           </a:p>
@@ -592,7 +594,7 @@
           <a:p>
             <a:fld id="{FB0F8C11-DDEC-402F-A93C-DC711F2411EA}" type="datetimeFigureOut">
               <a:rPr lang="zh-CN" altLang="en-US" smtClean="0"/>
-              <a:t>2020/3/20</a:t>
+              <a:t>2020/3/21</a:t>
             </a:fld>
             <a:endParaRPr lang="zh-CN" altLang="en-US"/>
           </a:p>
@@ -762,7 +764,7 @@
           <a:p>
             <a:fld id="{FB0F8C11-DDEC-402F-A93C-DC711F2411EA}" type="datetimeFigureOut">
               <a:rPr lang="zh-CN" altLang="en-US" smtClean="0"/>
-              <a:t>2020/3/20</a:t>
+              <a:t>2020/3/21</a:t>
             </a:fld>
             <a:endParaRPr lang="zh-CN" altLang="en-US"/>
           </a:p>
@@ -1008,7 +1010,7 @@
           <a:p>
             <a:fld id="{FB0F8C11-DDEC-402F-A93C-DC711F2411EA}" type="datetimeFigureOut">
               <a:rPr lang="zh-CN" altLang="en-US" smtClean="0"/>
-              <a:t>2020/3/20</a:t>
+              <a:t>2020/3/21</a:t>
             </a:fld>
             <a:endParaRPr lang="zh-CN" altLang="en-US"/>
           </a:p>
@@ -1240,7 +1242,7 @@
           <a:p>
             <a:fld id="{FB0F8C11-DDEC-402F-A93C-DC711F2411EA}" type="datetimeFigureOut">
               <a:rPr lang="zh-CN" altLang="en-US" smtClean="0"/>
-              <a:t>2020/3/20</a:t>
+              <a:t>2020/3/21</a:t>
             </a:fld>
             <a:endParaRPr lang="zh-CN" altLang="en-US"/>
           </a:p>
@@ -1607,7 +1609,7 @@
           <a:p>
             <a:fld id="{FB0F8C11-DDEC-402F-A93C-DC711F2411EA}" type="datetimeFigureOut">
               <a:rPr lang="zh-CN" altLang="en-US" smtClean="0"/>
-              <a:t>2020/3/20</a:t>
+              <a:t>2020/3/21</a:t>
             </a:fld>
             <a:endParaRPr lang="zh-CN" altLang="en-US"/>
           </a:p>
@@ -1725,7 +1727,7 @@
           <a:p>
             <a:fld id="{FB0F8C11-DDEC-402F-A93C-DC711F2411EA}" type="datetimeFigureOut">
               <a:rPr lang="zh-CN" altLang="en-US" smtClean="0"/>
-              <a:t>2020/3/20</a:t>
+              <a:t>2020/3/21</a:t>
             </a:fld>
             <a:endParaRPr lang="zh-CN" altLang="en-US"/>
           </a:p>
@@ -1820,7 +1822,7 @@
           <a:p>
             <a:fld id="{FB0F8C11-DDEC-402F-A93C-DC711F2411EA}" type="datetimeFigureOut">
               <a:rPr lang="zh-CN" altLang="en-US" smtClean="0"/>
-              <a:t>2020/3/20</a:t>
+              <a:t>2020/3/21</a:t>
             </a:fld>
             <a:endParaRPr lang="zh-CN" altLang="en-US"/>
           </a:p>
@@ -2097,7 +2099,7 @@
           <a:p>
             <a:fld id="{FB0F8C11-DDEC-402F-A93C-DC711F2411EA}" type="datetimeFigureOut">
               <a:rPr lang="zh-CN" altLang="en-US" smtClean="0"/>
-              <a:t>2020/3/20</a:t>
+              <a:t>2020/3/21</a:t>
             </a:fld>
             <a:endParaRPr lang="zh-CN" altLang="en-US"/>
           </a:p>
@@ -2350,7 +2352,7 @@
           <a:p>
             <a:fld id="{FB0F8C11-DDEC-402F-A93C-DC711F2411EA}" type="datetimeFigureOut">
               <a:rPr lang="zh-CN" altLang="en-US" smtClean="0"/>
-              <a:t>2020/3/20</a:t>
+              <a:t>2020/3/21</a:t>
             </a:fld>
             <a:endParaRPr lang="zh-CN" altLang="en-US"/>
           </a:p>
@@ -2563,7 +2565,7 @@
           <a:p>
             <a:fld id="{FB0F8C11-DDEC-402F-A93C-DC711F2411EA}" type="datetimeFigureOut">
               <a:rPr lang="zh-CN" altLang="en-US" smtClean="0"/>
-              <a:t>2020/3/20</a:t>
+              <a:t>2020/3/21</a:t>
             </a:fld>
             <a:endParaRPr lang="zh-CN" altLang="en-US"/>
           </a:p>
@@ -4043,11 +4045,7 @@
           <a:p>
             <a:r>
               <a:rPr lang="zh-CN" altLang="en-US" sz="1000"/>
-              <a:t>普通非注册</a:t>
-            </a:r>
-            <a:r>
-              <a:rPr lang="zh-CN" altLang="en-US" sz="1000"/>
-              <a:t>网页</a:t>
+              <a:t>普通非注册网页</a:t>
             </a:r>
             <a:r>
               <a:rPr lang="zh-CN" altLang="en-US" sz="1000" smtClean="0"/>
@@ -4136,7 +4134,6 @@
               <a:rPr lang="zh-CN" altLang="en-US" sz="1000"/>
               <a:t>视频下载</a:t>
             </a:r>
-            <a:endParaRPr lang="zh-CN" altLang="en-US" sz="1000"/>
           </a:p>
         </p:txBody>
       </p:sp>
@@ -4210,7 +4207,6 @@
               <a:rPr lang="zh-CN" altLang="en-US" sz="1000"/>
               <a:t>全网视频下载</a:t>
             </a:r>
-            <a:endParaRPr lang="zh-CN" altLang="en-US" sz="1000"/>
           </a:p>
         </p:txBody>
       </p:sp>
@@ -4582,6 +4578,471 @@
     <p:extLst>
       <p:ext uri="{BB962C8B-B14F-4D97-AF65-F5344CB8AC3E}">
         <p14:creationId xmlns:p14="http://schemas.microsoft.com/office/powerpoint/2010/main" val="2969346068"/>
+      </p:ext>
+    </p:extLst>
+  </p:cSld>
+  <p:clrMapOvr>
+    <a:masterClrMapping/>
+  </p:clrMapOvr>
+  <p:timing>
+    <p:tnLst>
+      <p:par>
+        <p:cTn id="1" dur="indefinite" restart="never" nodeType="tmRoot"/>
+      </p:par>
+    </p:tnLst>
+  </p:timing>
+</p:sld>
+</file>
+
+<file path=ppt/slides/slide6.xml><?xml version="1.0" encoding="utf-8"?>
+<p:sld xmlns:a="http://schemas.openxmlformats.org/drawingml/2006/main" xmlns:r="http://schemas.openxmlformats.org/officeDocument/2006/relationships" xmlns:p="http://schemas.openxmlformats.org/presentationml/2006/main">
+  <p:cSld>
+    <p:spTree>
+      <p:nvGrpSpPr>
+        <p:cNvPr id="1" name=""/>
+        <p:cNvGrpSpPr/>
+        <p:nvPr/>
+      </p:nvGrpSpPr>
+      <p:grpSpPr>
+        <a:xfrm>
+          <a:off x="0" y="0"/>
+          <a:ext cx="0" cy="0"/>
+          <a:chOff x="0" y="0"/>
+          <a:chExt cx="0" cy="0"/>
+        </a:xfrm>
+      </p:grpSpPr>
+      <p:pic>
+        <p:nvPicPr>
+          <p:cNvPr id="2" name="Picture 2" descr="D:\00-efonmark-blog\efonmark-blog-src\pic_repo\000_efonmark_pic\公众号.jpg"/>
+          <p:cNvPicPr>
+            <a:picLocks noChangeAspect="1" noChangeArrowheads="1"/>
+          </p:cNvPicPr>
+          <p:nvPr/>
+        </p:nvPicPr>
+        <p:blipFill>
+          <a:blip r:embed="rId2">
+            <a:extLst>
+              <a:ext uri="{28A0092B-C50C-407E-A947-70E740481C1C}">
+                <a14:useLocalDpi xmlns:a14="http://schemas.microsoft.com/office/drawing/2010/main" val="0"/>
+              </a:ext>
+            </a:extLst>
+          </a:blip>
+          <a:srcRect/>
+          <a:stretch>
+            <a:fillRect/>
+          </a:stretch>
+        </p:blipFill>
+        <p:spPr bwMode="auto">
+          <a:xfrm>
+            <a:off x="7594873" y="1829372"/>
+            <a:ext cx="2251076" cy="2251076"/>
+          </a:xfrm>
+          <a:prstGeom prst="rect">
+            <a:avLst/>
+          </a:prstGeom>
+          <a:noFill/>
+          <a:extLst>
+            <a:ext uri="{909E8E84-426E-40DD-AFC4-6F175D3DCCD1}">
+              <a14:hiddenFill xmlns:a14="http://schemas.microsoft.com/office/drawing/2010/main">
+                <a:solidFill>
+                  <a:srgbClr val="FFFFFF"/>
+                </a:solidFill>
+              </a14:hiddenFill>
+            </a:ext>
+          </a:extLst>
+        </p:spPr>
+      </p:pic>
+      <p:pic>
+        <p:nvPicPr>
+          <p:cNvPr id="1027" name="Picture 3"/>
+          <p:cNvPicPr>
+            <a:picLocks noChangeAspect="1" noChangeArrowheads="1"/>
+          </p:cNvPicPr>
+          <p:nvPr/>
+        </p:nvPicPr>
+        <p:blipFill>
+          <a:blip r:embed="rId3">
+            <a:extLst>
+              <a:ext uri="{28A0092B-C50C-407E-A947-70E740481C1C}">
+                <a14:useLocalDpi xmlns:a14="http://schemas.microsoft.com/office/drawing/2010/main" val="0"/>
+              </a:ext>
+            </a:extLst>
+          </a:blip>
+          <a:srcRect/>
+          <a:stretch>
+            <a:fillRect/>
+          </a:stretch>
+        </p:blipFill>
+        <p:spPr bwMode="auto">
+          <a:xfrm>
+            <a:off x="3825088" y="1833390"/>
+            <a:ext cx="2247058" cy="2247058"/>
+          </a:xfrm>
+          <a:prstGeom prst="rect">
+            <a:avLst/>
+          </a:prstGeom>
+          <a:noFill/>
+          <a:ln>
+            <a:noFill/>
+          </a:ln>
+          <a:effectLst/>
+          <a:extLst>
+            <a:ext uri="{909E8E84-426E-40DD-AFC4-6F175D3DCCD1}">
+              <a14:hiddenFill xmlns:a14="http://schemas.microsoft.com/office/drawing/2010/main">
+                <a:solidFill>
+                  <a:schemeClr val="accent1"/>
+                </a:solidFill>
+              </a14:hiddenFill>
+            </a:ext>
+            <a:ext uri="{91240B29-F687-4F45-9708-019B960494DF}">
+              <a14:hiddenLine xmlns:a14="http://schemas.microsoft.com/office/drawing/2010/main" w="9525">
+                <a:solidFill>
+                  <a:schemeClr val="tx1"/>
+                </a:solidFill>
+                <a:miter lim="800000"/>
+                <a:headEnd/>
+                <a:tailEnd/>
+              </a14:hiddenLine>
+            </a:ext>
+            <a:ext uri="{AF507438-7753-43E0-B8FC-AC1667EBCBE1}">
+              <a14:hiddenEffects xmlns:a14="http://schemas.microsoft.com/office/drawing/2010/main">
+                <a:effectLst>
+                  <a:outerShdw dist="35921" dir="2700000" algn="ctr" rotWithShape="0">
+                    <a:schemeClr val="bg2"/>
+                  </a:outerShdw>
+                </a:effectLst>
+              </a14:hiddenEffects>
+            </a:ext>
+          </a:extLst>
+        </p:spPr>
+      </p:pic>
+      <p:sp>
+        <p:nvSpPr>
+          <p:cNvPr id="3" name="TextBox 2"/>
+          <p:cNvSpPr txBox="1"/>
+          <p:nvPr/>
+        </p:nvSpPr>
+        <p:spPr>
+          <a:xfrm>
+            <a:off x="4602538" y="4021683"/>
+            <a:ext cx="1032877" cy="369332"/>
+          </a:xfrm>
+          <a:prstGeom prst="rect">
+            <a:avLst/>
+          </a:prstGeom>
+          <a:noFill/>
+        </p:spPr>
+        <p:txBody>
+          <a:bodyPr wrap="square" rtlCol="0">
+            <a:spAutoFit/>
+          </a:bodyPr>
+          <a:lstStyle/>
+          <a:p>
+            <a:r>
+              <a:rPr lang="zh-CN" altLang="en-US" b="1" smtClean="0"/>
+              <a:t>微信</a:t>
+            </a:r>
+            <a:endParaRPr lang="zh-CN" altLang="en-US" b="1"/>
+          </a:p>
+        </p:txBody>
+      </p:sp>
+      <p:sp>
+        <p:nvSpPr>
+          <p:cNvPr id="10" name="TextBox 9"/>
+          <p:cNvSpPr txBox="1"/>
+          <p:nvPr/>
+        </p:nvSpPr>
+        <p:spPr>
+          <a:xfrm>
+            <a:off x="8273421" y="4034582"/>
+            <a:ext cx="893980" cy="369332"/>
+          </a:xfrm>
+          <a:prstGeom prst="rect">
+            <a:avLst/>
+          </a:prstGeom>
+          <a:noFill/>
+        </p:spPr>
+        <p:txBody>
+          <a:bodyPr wrap="square" rtlCol="0">
+            <a:spAutoFit/>
+          </a:bodyPr>
+          <a:lstStyle/>
+          <a:p>
+            <a:r>
+              <a:rPr lang="zh-CN" altLang="en-US" b="1" smtClean="0"/>
+              <a:t>公众号</a:t>
+            </a:r>
+            <a:endParaRPr lang="zh-CN" altLang="en-US" b="1"/>
+          </a:p>
+        </p:txBody>
+      </p:sp>
+      <p:pic>
+        <p:nvPicPr>
+          <p:cNvPr id="1031" name="Picture 7"/>
+          <p:cNvPicPr>
+            <a:picLocks noChangeAspect="1" noChangeArrowheads="1"/>
+          </p:cNvPicPr>
+          <p:nvPr/>
+        </p:nvPicPr>
+        <p:blipFill>
+          <a:blip r:embed="rId4" cstate="print">
+            <a:extLst>
+              <a:ext uri="{28A0092B-C50C-407E-A947-70E740481C1C}">
+                <a14:useLocalDpi xmlns:a14="http://schemas.microsoft.com/office/drawing/2010/main" val="0"/>
+              </a:ext>
+            </a:extLst>
+          </a:blip>
+          <a:srcRect/>
+          <a:stretch>
+            <a:fillRect/>
+          </a:stretch>
+        </p:blipFill>
+        <p:spPr bwMode="auto">
+          <a:xfrm>
+            <a:off x="4645779" y="2714404"/>
+            <a:ext cx="538021" cy="481012"/>
+          </a:xfrm>
+          <a:prstGeom prst="rect">
+            <a:avLst/>
+          </a:prstGeom>
+          <a:noFill/>
+          <a:ln>
+            <a:noFill/>
+          </a:ln>
+          <a:effectLst/>
+          <a:extLst>
+            <a:ext uri="{909E8E84-426E-40DD-AFC4-6F175D3DCCD1}">
+              <a14:hiddenFill xmlns:a14="http://schemas.microsoft.com/office/drawing/2010/main">
+                <a:solidFill>
+                  <a:schemeClr val="accent1"/>
+                </a:solidFill>
+              </a14:hiddenFill>
+            </a:ext>
+            <a:ext uri="{91240B29-F687-4F45-9708-019B960494DF}">
+              <a14:hiddenLine xmlns:a14="http://schemas.microsoft.com/office/drawing/2010/main" w="9525">
+                <a:solidFill>
+                  <a:schemeClr val="tx1"/>
+                </a:solidFill>
+                <a:miter lim="800000"/>
+                <a:headEnd/>
+                <a:tailEnd/>
+              </a14:hiddenLine>
+            </a:ext>
+            <a:ext uri="{AF507438-7753-43E0-B8FC-AC1667EBCBE1}">
+              <a14:hiddenEffects xmlns:a14="http://schemas.microsoft.com/office/drawing/2010/main">
+                <a:effectLst>
+                  <a:outerShdw dist="35921" dir="2700000" algn="ctr" rotWithShape="0">
+                    <a:schemeClr val="bg2"/>
+                  </a:outerShdw>
+                </a:effectLst>
+              </a14:hiddenEffects>
+            </a:ext>
+          </a:extLst>
+        </p:spPr>
+      </p:pic>
+      <p:pic>
+        <p:nvPicPr>
+          <p:cNvPr id="12" name="Picture 7"/>
+          <p:cNvPicPr>
+            <a:picLocks noChangeAspect="1" noChangeArrowheads="1"/>
+          </p:cNvPicPr>
+          <p:nvPr/>
+        </p:nvPicPr>
+        <p:blipFill>
+          <a:blip r:embed="rId4" cstate="print">
+            <a:extLst>
+              <a:ext uri="{28A0092B-C50C-407E-A947-70E740481C1C}">
+                <a14:useLocalDpi xmlns:a14="http://schemas.microsoft.com/office/drawing/2010/main" val="0"/>
+              </a:ext>
+            </a:extLst>
+          </a:blip>
+          <a:srcRect/>
+          <a:stretch>
+            <a:fillRect/>
+          </a:stretch>
+        </p:blipFill>
+        <p:spPr bwMode="auto">
+          <a:xfrm>
+            <a:off x="8451400" y="2716413"/>
+            <a:ext cx="538021" cy="481012"/>
+          </a:xfrm>
+          <a:prstGeom prst="rect">
+            <a:avLst/>
+          </a:prstGeom>
+          <a:noFill/>
+          <a:ln>
+            <a:noFill/>
+          </a:ln>
+          <a:effectLst/>
+          <a:extLst>
+            <a:ext uri="{909E8E84-426E-40DD-AFC4-6F175D3DCCD1}">
+              <a14:hiddenFill xmlns:a14="http://schemas.microsoft.com/office/drawing/2010/main">
+                <a:solidFill>
+                  <a:schemeClr val="accent1"/>
+                </a:solidFill>
+              </a14:hiddenFill>
+            </a:ext>
+            <a:ext uri="{91240B29-F687-4F45-9708-019B960494DF}">
+              <a14:hiddenLine xmlns:a14="http://schemas.microsoft.com/office/drawing/2010/main" w="9525">
+                <a:solidFill>
+                  <a:schemeClr val="tx1"/>
+                </a:solidFill>
+                <a:miter lim="800000"/>
+                <a:headEnd/>
+                <a:tailEnd/>
+              </a14:hiddenLine>
+            </a:ext>
+            <a:ext uri="{AF507438-7753-43E0-B8FC-AC1667EBCBE1}">
+              <a14:hiddenEffects xmlns:a14="http://schemas.microsoft.com/office/drawing/2010/main">
+                <a:effectLst>
+                  <a:outerShdw dist="35921" dir="2700000" algn="ctr" rotWithShape="0">
+                    <a:schemeClr val="bg2"/>
+                  </a:outerShdw>
+                </a:effectLst>
+              </a14:hiddenEffects>
+            </a:ext>
+          </a:extLst>
+        </p:spPr>
+      </p:pic>
+    </p:spTree>
+    <p:extLst>
+      <p:ext uri="{BB962C8B-B14F-4D97-AF65-F5344CB8AC3E}">
+        <p14:creationId xmlns:p14="http://schemas.microsoft.com/office/powerpoint/2010/main" val="2268888448"/>
+      </p:ext>
+    </p:extLst>
+  </p:cSld>
+  <p:clrMapOvr>
+    <a:masterClrMapping/>
+  </p:clrMapOvr>
+  <p:timing>
+    <p:tnLst>
+      <p:par>
+        <p:cTn id="1" dur="indefinite" restart="never" nodeType="tmRoot"/>
+      </p:par>
+    </p:tnLst>
+  </p:timing>
+</p:sld>
+</file>
+
+<file path=ppt/slides/slide7.xml><?xml version="1.0" encoding="utf-8"?>
+<p:sld xmlns:a="http://schemas.openxmlformats.org/drawingml/2006/main" xmlns:r="http://schemas.openxmlformats.org/officeDocument/2006/relationships" xmlns:p="http://schemas.openxmlformats.org/presentationml/2006/main">
+  <p:cSld>
+    <p:spTree>
+      <p:nvGrpSpPr>
+        <p:cNvPr id="1" name=""/>
+        <p:cNvGrpSpPr/>
+        <p:nvPr/>
+      </p:nvGrpSpPr>
+      <p:grpSpPr>
+        <a:xfrm>
+          <a:off x="0" y="0"/>
+          <a:ext cx="0" cy="0"/>
+          <a:chOff x="0" y="0"/>
+          <a:chExt cx="0" cy="0"/>
+        </a:xfrm>
+      </p:grpSpPr>
+      <p:sp>
+        <p:nvSpPr>
+          <p:cNvPr id="3" name="TextBox 2"/>
+          <p:cNvSpPr txBox="1"/>
+          <p:nvPr/>
+        </p:nvSpPr>
+        <p:spPr>
+          <a:xfrm>
+            <a:off x="3278984" y="4080448"/>
+            <a:ext cx="2336800" cy="369332"/>
+          </a:xfrm>
+          <a:prstGeom prst="rect">
+            <a:avLst/>
+          </a:prstGeom>
+          <a:noFill/>
+        </p:spPr>
+        <p:txBody>
+          <a:bodyPr wrap="square" rtlCol="0">
+            <a:spAutoFit/>
+          </a:bodyPr>
+          <a:lstStyle/>
+          <a:p>
+            <a:r>
+              <a:rPr lang="en-US" altLang="zh-CN" b="1" smtClean="0"/>
+              <a:t>MarkTool-</a:t>
+            </a:r>
+            <a:r>
+              <a:rPr lang="zh-CN" altLang="en-US" b="1" smtClean="0"/>
+              <a:t>交流社区</a:t>
+            </a:r>
+            <a:endParaRPr lang="zh-CN" altLang="en-US" b="1"/>
+          </a:p>
+        </p:txBody>
+      </p:sp>
+      <p:pic>
+        <p:nvPicPr>
+          <p:cNvPr id="1028" name="Picture 4"/>
+          <p:cNvPicPr>
+            <a:picLocks noChangeAspect="1" noChangeArrowheads="1"/>
+          </p:cNvPicPr>
+          <p:nvPr/>
+        </p:nvPicPr>
+        <p:blipFill>
+          <a:blip r:embed="rId2">
+            <a:extLst>
+              <a:ext uri="{28A0092B-C50C-407E-A947-70E740481C1C}">
+                <a14:useLocalDpi xmlns:a14="http://schemas.microsoft.com/office/drawing/2010/main" val="0"/>
+              </a:ext>
+            </a:extLst>
+          </a:blip>
+          <a:srcRect/>
+          <a:stretch>
+            <a:fillRect/>
+          </a:stretch>
+        </p:blipFill>
+        <p:spPr bwMode="auto">
+          <a:xfrm>
+            <a:off x="3382607" y="2089723"/>
+            <a:ext cx="2000250" cy="1990725"/>
+          </a:xfrm>
+          <a:prstGeom prst="rect">
+            <a:avLst/>
+          </a:prstGeom>
+          <a:noFill/>
+          <a:ln>
+            <a:noFill/>
+          </a:ln>
+          <a:effectLst/>
+          <a:extLst>
+            <a:ext uri="{909E8E84-426E-40DD-AFC4-6F175D3DCCD1}">
+              <a14:hiddenFill xmlns:a14="http://schemas.microsoft.com/office/drawing/2010/main">
+                <a:solidFill>
+                  <a:schemeClr val="accent1"/>
+                </a:solidFill>
+              </a14:hiddenFill>
+            </a:ext>
+            <a:ext uri="{91240B29-F687-4F45-9708-019B960494DF}">
+              <a14:hiddenLine xmlns:a14="http://schemas.microsoft.com/office/drawing/2010/main" w="9525">
+                <a:solidFill>
+                  <a:schemeClr val="tx1"/>
+                </a:solidFill>
+                <a:miter lim="800000"/>
+                <a:headEnd/>
+                <a:tailEnd/>
+              </a14:hiddenLine>
+            </a:ext>
+            <a:ext uri="{AF507438-7753-43E0-B8FC-AC1667EBCBE1}">
+              <a14:hiddenEffects xmlns:a14="http://schemas.microsoft.com/office/drawing/2010/main">
+                <a:effectLst>
+                  <a:outerShdw dist="35921" dir="2700000" algn="ctr" rotWithShape="0">
+                    <a:schemeClr val="bg2"/>
+                  </a:outerShdw>
+                </a:effectLst>
+              </a14:hiddenEffects>
+            </a:ext>
+          </a:extLst>
+        </p:spPr>
+      </p:pic>
+    </p:spTree>
+    <p:extLst>
+      <p:ext uri="{BB962C8B-B14F-4D97-AF65-F5344CB8AC3E}">
+        <p14:creationId xmlns:p14="http://schemas.microsoft.com/office/powerpoint/2010/main" val="3063811795"/>
       </p:ext>
     </p:extLst>
   </p:cSld>
